--- a/2022秋季-数据结构-第3章-线性结构a.pptx
+++ b/2022秋季-数据结构-第3章-线性结构a.pptx
@@ -125,7 +125,7 @@
       </a:defRPr>
     </a:lvl9pPr>
   </p:defaultTextStyle>
-  <p:modifyVerifier cryptProviderType="rsaFull" cryptAlgorithmClass="hash" cryptAlgorithmType="typeAny" cryptAlgorithmSid="4" spinCount="100000" saltData="3UXCileKEDmhTBmUyYn4xQ==" hashData="g6rt2xc81t4mQmr4h9zBQQ9o/1U="/>
+  <p:modifyVerifier cryptProviderType="rsaFull" cryptAlgorithmClass="hash" cryptAlgorithmType="typeAny" cryptAlgorithmSid="4" spinCount="100000" saltData="HPN3n2cLEgyn72k5lBx2Hg==" hashData="S5WfsuxoRgAdjQGaI6FMtfeOiUM="/>
 </p:presentation>
 </file>
 
@@ -3564,7 +3564,7 @@
               <a:rPr lang="en-US" altLang="zh-CN" dirty="0">
                 <a:effectLst/>
               </a:rPr>
-              <a:t>2</a:t>
+              <a:t>3</a:t>
             </a:r>
             <a:r>
               <a:rPr lang="zh-CN" altLang="en-US" dirty="0">
